--- a/Later/Java_Later/MongoDB/38/MongoDB - Aggregation_sum.pptx
+++ b/Later/Java_Later/MongoDB/38/MongoDB - Aggregation_sum.pptx
@@ -3949,7 +3949,6 @@
               <a:rPr lang="en-US" sz="1200" dirty="0"/>
               <a:t>(AGGREGATE_OPERATION)</a:t>
             </a:r>
-            <a:endParaRPr lang="en-US" sz="1200" dirty="0"/>
           </a:p>
         </p:txBody>
       </p:sp>
@@ -4044,7 +4043,6 @@
               <a:rPr lang="en-US" sz="1200" dirty="0"/>
               <a:t> aggregation.</a:t>
             </a:r>
-            <a:endParaRPr lang="en-US" sz="1200" dirty="0"/>
           </a:p>
         </p:txBody>
       </p:sp>
@@ -4098,7 +4096,6 @@
               <a:rPr lang="en-US" sz="1200" dirty="0"/>
               <a:t> : {$sum : 1}}}])</a:t>
             </a:r>
-            <a:endParaRPr lang="en-US" sz="1200" dirty="0"/>
           </a:p>
         </p:txBody>
       </p:sp>
@@ -4153,13 +4150,13 @@
         </p:nvSpPr>
         <p:spPr>
           <a:xfrm>
-            <a:off x="5257801" y="1981200"/>
-            <a:ext cx="3705224" cy="1295400"/>
+            <a:off x="5105400" y="1600200"/>
+            <a:ext cx="3857625" cy="2043498"/>
           </a:xfrm>
           <a:prstGeom prst="wedgeRectCallout">
             <a:avLst>
-              <a:gd name="adj1" fmla="val -216"/>
-              <a:gd name="adj2" fmla="val 93781"/>
+              <a:gd name="adj1" fmla="val 6685"/>
+              <a:gd name="adj2" fmla="val 61047"/>
             </a:avLst>
           </a:prstGeom>
           <a:ln w="3175"/>
@@ -4187,12 +4184,41 @@
               <a:buChar char="ü"/>
             </a:pPr>
             <a:r>
-              <a:rPr lang="en-US" sz="1200" dirty="0" err="1"/>
+              <a:rPr lang="en-US" sz="1200" smtClean="0"/>
+              <a:t>Sums </a:t>
+            </a:r>
+            <a:r>
+              <a:rPr lang="en-US" sz="1200" dirty="0"/>
+              <a:t>up the defined value from all documents in the collection</a:t>
+            </a:r>
+            <a:r>
+              <a:rPr lang="en-US" sz="1200" dirty="0" smtClean="0"/>
+              <a:t>.</a:t>
+            </a:r>
+          </a:p>
+          <a:p>
+            <a:pPr marL="171450" indent="-171450">
+              <a:buFont typeface="Wingdings" pitchFamily="2" charset="2"/>
+              <a:buChar char="ü"/>
+            </a:pPr>
+            <a:endParaRPr lang="en-US" sz="1200" dirty="0"/>
+          </a:p>
+          <a:p>
+            <a:pPr marL="171450" indent="-171450">
+              <a:buFont typeface="Wingdings" pitchFamily="2" charset="2"/>
+              <a:buChar char="ü"/>
+            </a:pPr>
+            <a:r>
+              <a:rPr lang="en-US" sz="1200" dirty="0" err="1" smtClean="0"/>
               <a:t>Sql</a:t>
             </a:r>
             <a:r>
+              <a:rPr lang="en-US" sz="1200" dirty="0" smtClean="0"/>
+              <a:t> </a:t>
+            </a:r>
+            <a:r>
               <a:rPr lang="en-US" sz="1200" dirty="0"/>
-              <a:t> equivalent query for the above use case will be </a:t>
+              <a:t>equivalent query for the above use case will be </a:t>
             </a:r>
             <a:r>
               <a:rPr lang="en-US" sz="1200" b="1" dirty="0"/>
